--- a/files/API_102a_2022_Section_06_answers.pptx
+++ b/files/API_102a_2022_Section_06_answers.pptx
@@ -248,7 +248,7 @@
           <a:p>
             <a:fld id="{A299E826-3081-5D44-BEB6-7BF33BBC74DC}" type="datetimeFigureOut">
               <a:rPr lang="en-US" smtClean="0"/>
-              <a:t>2/19/2023</a:t>
+              <a:t>3/13/2023</a:t>
             </a:fld>
             <a:endParaRPr lang="en-US"/>
           </a:p>
@@ -5065,6 +5065,9 @@
             </a:r>
           </a:p>
           <a:p>
+            <a:endParaRPr lang="en-US" b="1" dirty="0"/>
+          </a:p>
+          <a:p>
             <a:r>
               <a:rPr lang="en-US" b="1" dirty="0"/>
               <a:t>This time: </a:t>
@@ -5338,14 +5341,41 @@
           </a:p>
           <a:p>
             <a:pPr lvl="1"/>
+            <a:endParaRPr lang="en-US" i="1" dirty="0"/>
+          </a:p>
+          <a:p>
+            <a:pPr lvl="1"/>
+            <a:endParaRPr lang="en-US" i="1" dirty="0"/>
+          </a:p>
+          <a:p>
+            <a:pPr lvl="1"/>
             <a:r>
               <a:rPr lang="en-US" i="1" dirty="0"/>
               <a:t>Possibility 1</a:t>
             </a:r>
             <a:r>
               <a:rPr lang="en-US" dirty="0"/>
-              <a:t>: “favorable” review -&gt; still considered disabled, stay on SSI (no change)</a:t>
-            </a:r>
+              <a:t>: “favorable” review </a:t>
+            </a:r>
+            <a:r>
+              <a:rPr lang="en-US" dirty="0">
+                <a:latin typeface="Trirong" panose="00000500000000000000" pitchFamily="2" charset="-34"/>
+                <a:cs typeface="Trirong" panose="00000500000000000000" pitchFamily="2" charset="-34"/>
+              </a:rPr>
+              <a:t>→</a:t>
+            </a:r>
+            <a:r>
+              <a:rPr lang="en-US" dirty="0"/>
+              <a:t> still considered disabled, stay on SSI (no change)</a:t>
+            </a:r>
+          </a:p>
+          <a:p>
+            <a:pPr lvl="1"/>
+            <a:endParaRPr lang="en-US" i="1" dirty="0"/>
+          </a:p>
+          <a:p>
+            <a:pPr lvl="1"/>
+            <a:endParaRPr lang="en-US" i="1" dirty="0"/>
           </a:p>
           <a:p>
             <a:pPr lvl="1"/>
@@ -5355,7 +5385,18 @@
             </a:r>
             <a:r>
               <a:rPr lang="en-US" dirty="0"/>
-              <a:t>: “unfavorable” review -&gt; no longer considered disabled, removed from SSI, loss of SSI benefits</a:t>
+              <a:t>: “unfavorable” review </a:t>
+            </a:r>
+            <a:r>
+              <a:rPr lang="en-US" dirty="0">
+                <a:latin typeface="Trirong" panose="00000500000000000000" pitchFamily="2" charset="-34"/>
+                <a:cs typeface="Trirong" panose="00000500000000000000" pitchFamily="2" charset="-34"/>
+              </a:rPr>
+              <a:t>→</a:t>
+            </a:r>
+            <a:r>
+              <a:rPr lang="en-US" dirty="0"/>
+              <a:t> no longer considered disabled, removed from SSI, loss of SSI benefits</a:t>
             </a:r>
           </a:p>
           <a:p>
@@ -5453,6 +5494,14 @@
           </a:p>
           <a:p>
             <a:pPr lvl="1"/>
+            <a:endParaRPr lang="en-US" dirty="0"/>
+          </a:p>
+          <a:p>
+            <a:pPr lvl="1"/>
+            <a:endParaRPr lang="en-US" dirty="0"/>
+          </a:p>
+          <a:p>
+            <a:pPr lvl="1"/>
             <a:r>
               <a:rPr lang="en-US" dirty="0"/>
               <a:t>for individuals with an 18</a:t>
@@ -5465,6 +5514,14 @@
               <a:rPr lang="en-US" dirty="0"/>
               <a:t> birthday on or after August 22, 1996</a:t>
             </a:r>
+          </a:p>
+          <a:p>
+            <a:pPr lvl="1"/>
+            <a:endParaRPr lang="en-US" dirty="0"/>
+          </a:p>
+          <a:p>
+            <a:pPr lvl="1"/>
+            <a:endParaRPr lang="en-US" dirty="0"/>
           </a:p>
           <a:p>
             <a:pPr lvl="1"/>
@@ -5582,7 +5639,7 @@
         </p:nvSpPr>
         <p:spPr>
           <a:xfrm>
-            <a:off x="194327" y="150394"/>
+            <a:off x="1437911" y="6414034"/>
             <a:ext cx="10515600" cy="4351338"/>
           </a:xfrm>
           <a:prstGeom prst="rect">
@@ -5758,11 +5815,18 @@
             </a:lvl9pPr>
           </a:lstStyle>
           <a:p>
-            <a:pPr marL="0" indent="0">
+            <a:pPr marL="0" indent="0" algn="r">
               <a:buNone/>
             </a:pPr>
             <a:r>
-              <a:rPr lang="en-US" dirty="0"/>
+              <a:rPr lang="en-US" sz="2000" dirty="0">
+                <a:solidFill>
+                  <a:schemeClr val="tx1">
+                    <a:lumMod val="50000"/>
+                    <a:lumOff val="50000"/>
+                  </a:schemeClr>
+                </a:solidFill>
+              </a:rPr>
               <a:t>Deshpande 2016</a:t>
             </a:r>
           </a:p>
@@ -5860,6 +5924,9 @@
             </a:r>
           </a:p>
           <a:p>
+            <a:endParaRPr lang="en-US" dirty="0"/>
+          </a:p>
+          <a:p>
             <a:r>
               <a:rPr lang="en-US" dirty="0"/>
               <a:t>Work through extended example problem: SSI removal</a:t>
@@ -5871,6 +5938,9 @@
               <a:rPr lang="en-US" dirty="0"/>
               <a:t>Problem of the Week #6 / real-life</a:t>
             </a:r>
+          </a:p>
+          <a:p>
+            <a:endParaRPr lang="en-US" dirty="0"/>
           </a:p>
           <a:p>
             <a:r>
@@ -6757,6 +6827,9 @@
           <a:bodyPr/>
           <a:lstStyle/>
           <a:p>
+            <a:pPr marL="0" indent="0">
+              <a:buNone/>
+            </a:pPr>
             <a:r>
               <a:rPr lang="en-US" dirty="0"/>
               <a:t>What are the costs discussed here? What are the benefits? </a:t>
@@ -6870,6 +6943,9 @@
           <a:bodyPr/>
           <a:lstStyle/>
           <a:p>
+            <a:pPr marL="0" indent="0">
+              <a:buNone/>
+            </a:pPr>
             <a:r>
               <a:rPr lang="en-US" dirty="0"/>
               <a:t>What are the costs discussed here? What are the benefits? </a:t>
@@ -7286,6 +7362,9 @@
           <a:bodyPr/>
           <a:lstStyle/>
           <a:p>
+            <a:pPr marL="0" indent="0">
+              <a:buNone/>
+            </a:pPr>
             <a:r>
               <a:rPr lang="en-US" dirty="0"/>
               <a:t>What are the costs discussed here? What are the benefits? </a:t>
@@ -7401,6 +7480,9 @@
           <a:bodyPr/>
           <a:lstStyle/>
           <a:p>
+            <a:pPr marL="0" indent="0">
+              <a:buNone/>
+            </a:pPr>
             <a:r>
               <a:rPr lang="en-US" dirty="0"/>
               <a:t>What are the costs discussed here? What are the benefits? </a:t>
@@ -8108,6 +8190,9 @@
           </a:bodyPr>
           <a:lstStyle/>
           <a:p>
+            <a:pPr marL="0" indent="0">
+              <a:buNone/>
+            </a:pPr>
             <a:r>
               <a:rPr lang="en-US" dirty="0"/>
               <a:t>What are the costs discussed here? What are the benefits? </a:t>
@@ -8443,11 +8528,11 @@
             </a:r>
             <a:r>
               <a:rPr lang="en-US" u="sng" dirty="0"/>
-              <a:t>earnings: </a:t>
-            </a:r>
-            <a:r>
-              <a:rPr lang="en-US" dirty="0"/>
-              <a:t>$3,000</a:t>
+              <a:t>earnings</a:t>
+            </a:r>
+            <a:r>
+              <a:rPr lang="en-US" dirty="0"/>
+              <a:t>: $3,000</a:t>
             </a:r>
             <a:endParaRPr lang="en-US" i="1" dirty="0"/>
           </a:p>
@@ -9048,7 +9133,7 @@
         </p:spPr>
         <p:txBody>
           <a:bodyPr>
-            <a:normAutofit fontScale="70000" lnSpcReduction="20000"/>
+            <a:normAutofit fontScale="77500" lnSpcReduction="20000"/>
           </a:bodyPr>
           <a:lstStyle/>
           <a:p>
@@ -9058,7 +9143,6 @@
                   <a:srgbClr val="212121"/>
                 </a:solidFill>
                 <a:effectLst/>
-                <a:latin typeface="Lato" panose="020F0502020204030203" pitchFamily="34" charset="0"/>
               </a:rPr>
               <a:t>Eviction and poverty in American cities: evidence from Chicago and New York</a:t>
             </a:r>
@@ -9068,7 +9152,6 @@
                   <a:srgbClr val="212121"/>
                 </a:solidFill>
                 <a:effectLst/>
-                <a:latin typeface="Lato" panose="020F0502020204030203" pitchFamily="34" charset="0"/>
               </a:rPr>
               <a:t> 2022. (Winnie van Dijk with Rob Collinson, John Eric Humphries, Nick </a:t>
             </a:r>
@@ -9078,7 +9161,6 @@
                   <a:srgbClr val="212121"/>
                 </a:solidFill>
                 <a:effectLst/>
-                <a:latin typeface="Lato" panose="020F0502020204030203" pitchFamily="34" charset="0"/>
               </a:rPr>
               <a:t>Mader</a:t>
             </a:r>
@@ -9088,7 +9170,6 @@
                   <a:srgbClr val="212121"/>
                 </a:solidFill>
                 <a:effectLst/>
-                <a:latin typeface="Lato" panose="020F0502020204030203" pitchFamily="34" charset="0"/>
               </a:rPr>
               <a:t>, Davin Reed, and Daniel Tannenbaum)</a:t>
             </a:r>
@@ -9099,7 +9180,6 @@
                 <a:srgbClr val="212121"/>
               </a:solidFill>
               <a:effectLst/>
-              <a:latin typeface="Lato" panose="020F0502020204030203" pitchFamily="34" charset="0"/>
             </a:endParaRPr>
           </a:p>
           <a:p>
@@ -9109,7 +9189,6 @@
                   <a:srgbClr val="212121"/>
                 </a:solidFill>
                 <a:effectLst/>
-                <a:latin typeface="Lato" panose="020F0502020204030203" pitchFamily="34" charset="0"/>
               </a:rPr>
               <a:t>Previous draft: Does Eviction Caus</a:t>
             </a:r>
@@ -9118,7 +9197,6 @@
                 <a:solidFill>
                   <a:srgbClr val="212121"/>
                 </a:solidFill>
-                <a:latin typeface="Lato" panose="020F0502020204030203" pitchFamily="34" charset="0"/>
               </a:rPr>
               <a:t>e Poverty? Quasi-Experimental evidence from Cook County, IL. 2019. </a:t>
             </a:r>
@@ -9128,7 +9206,6 @@
                   <a:srgbClr val="212121"/>
                 </a:solidFill>
                 <a:effectLst/>
-                <a:latin typeface="Lato" panose="020F0502020204030203" pitchFamily="34" charset="0"/>
               </a:rPr>
               <a:t>(John Eric Humphries, Nicholas </a:t>
             </a:r>
@@ -9138,7 +9215,6 @@
                   <a:srgbClr val="212121"/>
                 </a:solidFill>
                 <a:effectLst/>
-                <a:latin typeface="Lato" panose="020F0502020204030203" pitchFamily="34" charset="0"/>
               </a:rPr>
               <a:t>Mader</a:t>
             </a:r>
@@ -9148,7 +9224,6 @@
                   <a:srgbClr val="212121"/>
                 </a:solidFill>
                 <a:effectLst/>
-                <a:latin typeface="Lato" panose="020F0502020204030203" pitchFamily="34" charset="0"/>
               </a:rPr>
               <a:t>, Daniel Tannenbaum &amp; Winnie van Dijk)</a:t>
             </a:r>
@@ -9158,10 +9233,18 @@
               <a:solidFill>
                 <a:srgbClr val="212121"/>
               </a:solidFill>
-              <a:latin typeface="Lato" panose="020F0502020204030203" pitchFamily="34" charset="0"/>
             </a:endParaRPr>
           </a:p>
           <a:p>
+            <a:r>
+              <a:rPr lang="en-US" sz="2400" b="0" i="0" dirty="0">
+                <a:solidFill>
+                  <a:srgbClr val="212121"/>
+                </a:solidFill>
+                <a:effectLst/>
+              </a:rPr>
+              <a:t>Key highlights taken from above papers as well as Winnie van Dijk’s slides for Harvard course ECON 2245</a:t>
+            </a:r>
             <a:r>
               <a:rPr lang="en-US" sz="2400" b="0" i="0" dirty="0">
                 <a:solidFill>
@@ -9170,7 +9253,7 @@
                 <a:effectLst/>
                 <a:latin typeface="Lato" panose="020F0502020204030203" pitchFamily="34" charset="0"/>
               </a:rPr>
-              <a:t>Key highlights taken from above papers as well as Winnie van Dijk’s slides for Harvard course ECON 2245. </a:t>
+              <a:t>. </a:t>
             </a:r>
           </a:p>
           <a:p>
@@ -9268,8 +9351,27 @@
           <a:p>
             <a:r>
               <a:rPr lang="en-US" dirty="0"/>
-              <a:t>Costs of providing homeless services high (Evans et al. 2019)</a:t>
-            </a:r>
+              <a:t>Costs of providing homeless services high </a:t>
+            </a:r>
+            <a:r>
+              <a:rPr lang="en-US" sz="2000" dirty="0">
+                <a:solidFill>
+                  <a:schemeClr val="tx1">
+                    <a:lumMod val="50000"/>
+                    <a:lumOff val="50000"/>
+                  </a:schemeClr>
+                </a:solidFill>
+              </a:rPr>
+              <a:t>(Evans et al. 2019)</a:t>
+            </a:r>
+            <a:endParaRPr lang="en-US" dirty="0">
+              <a:solidFill>
+                <a:schemeClr val="tx1">
+                  <a:lumMod val="50000"/>
+                  <a:lumOff val="50000"/>
+                </a:schemeClr>
+              </a:solidFill>
+            </a:endParaRPr>
           </a:p>
           <a:p>
             <a:pPr lvl="1"/>
@@ -9373,28 +9475,17 @@
           <a:bodyPr/>
           <a:lstStyle/>
           <a:p>
+            <a:pPr marL="0" indent="0">
+              <a:buNone/>
+            </a:pPr>
             <a:r>
               <a:rPr lang="en-US" sz="2800" b="0" i="0" dirty="0">
                 <a:solidFill>
                   <a:srgbClr val="212121"/>
                 </a:solidFill>
                 <a:effectLst/>
-                <a:latin typeface="Lato" panose="020F0502020204030203" pitchFamily="34" charset="0"/>
               </a:rPr>
               <a:t>Prior to housing court, tenants experience:</a:t>
-            </a:r>
-          </a:p>
-          <a:p>
-            <a:pPr lvl="1"/>
-            <a:r>
-              <a:rPr lang="en-US" b="0" i="0" dirty="0">
-                <a:solidFill>
-                  <a:srgbClr val="212121"/>
-                </a:solidFill>
-                <a:effectLst/>
-                <a:latin typeface="Lato" panose="020F0502020204030203" pitchFamily="34" charset="0"/>
-              </a:rPr>
-              <a:t>earnings decline</a:t>
             </a:r>
           </a:p>
           <a:p>
@@ -9404,60 +9495,18 @@
                 <a:srgbClr val="212121"/>
               </a:solidFill>
               <a:effectLst/>
-              <a:latin typeface="Lato" panose="020F0502020204030203" pitchFamily="34" charset="0"/>
             </a:endParaRPr>
           </a:p>
           <a:p>
             <a:pPr lvl="1"/>
             <a:r>
-              <a:rPr lang="en-US" dirty="0">
+              <a:rPr lang="en-US" b="0" i="0" dirty="0">
                 <a:solidFill>
                   <a:srgbClr val="212121"/>
                 </a:solidFill>
-                <a:latin typeface="Lato" panose="020F0502020204030203" pitchFamily="34" charset="0"/>
+                <a:effectLst/>
               </a:rPr>
-              <a:t>E</a:t>
-            </a:r>
-            <a:r>
-              <a:rPr lang="en-US" b="0" i="0" dirty="0">
-                <a:solidFill>
-                  <a:srgbClr val="212121"/>
-                </a:solidFill>
-                <a:effectLst/>
-                <a:latin typeface="Lato" panose="020F0502020204030203" pitchFamily="34" charset="0"/>
-              </a:rPr>
-              <a:t>mployment loss</a:t>
-            </a:r>
-          </a:p>
-          <a:p>
-            <a:pPr lvl="1"/>
-            <a:endParaRPr lang="en-US" dirty="0">
-              <a:solidFill>
-                <a:srgbClr val="212121"/>
-              </a:solidFill>
-              <a:latin typeface="Lato" panose="020F0502020204030203" pitchFamily="34" charset="0"/>
-            </a:endParaRPr>
-          </a:p>
-          <a:p>
-            <a:pPr lvl="1"/>
-            <a:r>
-              <a:rPr lang="en-US" dirty="0">
-                <a:solidFill>
-                  <a:srgbClr val="212121"/>
-                </a:solidFill>
-                <a:latin typeface="Lato" panose="020F0502020204030203" pitchFamily="34" charset="0"/>
-              </a:rPr>
-              <a:t>I</a:t>
-            </a:r>
-            <a:r>
-              <a:rPr lang="en-US" b="0" i="0" dirty="0">
-                <a:solidFill>
-                  <a:srgbClr val="212121"/>
-                </a:solidFill>
-                <a:effectLst/>
-                <a:latin typeface="Lato" panose="020F0502020204030203" pitchFamily="34" charset="0"/>
-              </a:rPr>
-              <a:t>ncreases in financial distress </a:t>
+              <a:t>earnings decline</a:t>
             </a:r>
           </a:p>
           <a:p>
@@ -9467,18 +9516,73 @@
                 <a:srgbClr val="212121"/>
               </a:solidFill>
               <a:effectLst/>
-              <a:latin typeface="Lato" panose="020F0502020204030203" pitchFamily="34" charset="0"/>
             </a:endParaRPr>
           </a:p>
           <a:p>
             <a:pPr lvl="1"/>
             <a:r>
+              <a:rPr lang="en-US" dirty="0">
+                <a:solidFill>
+                  <a:srgbClr val="212121"/>
+                </a:solidFill>
+              </a:rPr>
+              <a:t>E</a:t>
+            </a:r>
+            <a:r>
               <a:rPr lang="en-US" b="0" i="0" dirty="0">
                 <a:solidFill>
                   <a:srgbClr val="212121"/>
                 </a:solidFill>
                 <a:effectLst/>
-                <a:latin typeface="Lato" panose="020F0502020204030203" pitchFamily="34" charset="0"/>
+              </a:rPr>
+              <a:t>mployment loss</a:t>
+            </a:r>
+          </a:p>
+          <a:p>
+            <a:pPr lvl="1"/>
+            <a:endParaRPr lang="en-US" dirty="0">
+              <a:solidFill>
+                <a:srgbClr val="212121"/>
+              </a:solidFill>
+            </a:endParaRPr>
+          </a:p>
+          <a:p>
+            <a:pPr lvl="1"/>
+            <a:r>
+              <a:rPr lang="en-US" dirty="0">
+                <a:solidFill>
+                  <a:srgbClr val="212121"/>
+                </a:solidFill>
+              </a:rPr>
+              <a:t>I</a:t>
+            </a:r>
+            <a:r>
+              <a:rPr lang="en-US" b="0" i="0" dirty="0">
+                <a:solidFill>
+                  <a:srgbClr val="212121"/>
+                </a:solidFill>
+                <a:effectLst/>
+              </a:rPr>
+              <a:t>ncreases in financial distress </a:t>
+            </a:r>
+          </a:p>
+          <a:p>
+            <a:pPr lvl="1"/>
+            <a:endParaRPr lang="en-US" b="0" i="0" dirty="0">
+              <a:solidFill>
+                <a:srgbClr val="212121"/>
+              </a:solidFill>
+              <a:effectLst/>
+            </a:endParaRPr>
+          </a:p>
+          <a:p>
+            <a:pPr lvl="1"/>
+            <a:r>
+              <a:rPr lang="en-US" b="0" i="0" dirty="0">
+                <a:solidFill>
+                  <a:srgbClr val="212121"/>
+                </a:solidFill>
+                <a:effectLst/>
               </a:rPr>
               <a:t>Worsening health, as measured by increased hospital visits</a:t>
             </a:r>
@@ -9651,44 +9755,74 @@
             </a:endParaRPr>
           </a:p>
           <a:p>
+            <a:pPr marL="0" indent="0">
+              <a:buNone/>
+            </a:pPr>
             <a:r>
               <a:rPr lang="en-US" sz="2800" b="0" i="0" dirty="0">
                 <a:solidFill>
-                  <a:srgbClr val="212121"/>
+                  <a:schemeClr val="tx1">
+                    <a:lumMod val="50000"/>
+                    <a:lumOff val="50000"/>
+                  </a:schemeClr>
                 </a:solidFill>
                 <a:effectLst/>
-                <a:latin typeface="Lato" panose="020F0502020204030203" pitchFamily="34" charset="0"/>
               </a:rPr>
               <a:t>Source:</a:t>
             </a:r>
             <a:r>
-              <a:rPr lang="en-US" dirty="0"/>
+              <a:rPr lang="en-US" dirty="0">
+                <a:solidFill>
+                  <a:schemeClr val="tx1">
+                    <a:lumMod val="50000"/>
+                    <a:lumOff val="50000"/>
+                  </a:schemeClr>
+                </a:solidFill>
+              </a:rPr>
               <a:t> Humphries, </a:t>
             </a:r>
             <a:r>
-              <a:rPr lang="en-US" dirty="0" err="1"/>
+              <a:rPr lang="en-US" dirty="0" err="1">
+                <a:solidFill>
+                  <a:schemeClr val="tx1">
+                    <a:lumMod val="50000"/>
+                    <a:lumOff val="50000"/>
+                  </a:schemeClr>
+                </a:solidFill>
+              </a:rPr>
               <a:t>Mader</a:t>
             </a:r>
             <a:r>
-              <a:rPr lang="en-US" dirty="0"/>
+              <a:rPr lang="en-US" dirty="0">
+                <a:solidFill>
+                  <a:schemeClr val="tx1">
+                    <a:lumMod val="50000"/>
+                    <a:lumOff val="50000"/>
+                  </a:schemeClr>
+                </a:solidFill>
+              </a:rPr>
               <a:t>, Tannenbaum, and van Dijk (2019) </a:t>
             </a:r>
             <a:endParaRPr lang="en-US" sz="2800" b="0" i="0" dirty="0">
               <a:solidFill>
-                <a:srgbClr val="212121"/>
+                <a:schemeClr val="tx1">
+                  <a:lumMod val="50000"/>
+                  <a:lumOff val="50000"/>
+                </a:schemeClr>
               </a:solidFill>
               <a:effectLst/>
-              <a:latin typeface="Lato" panose="020F0502020204030203" pitchFamily="34" charset="0"/>
             </a:endParaRPr>
           </a:p>
           <a:p>
+            <a:pPr marL="0" indent="0">
+              <a:buNone/>
+            </a:pPr>
             <a:r>
               <a:rPr lang="en-US" sz="2800" b="0" i="0" dirty="0">
                 <a:solidFill>
                   <a:srgbClr val="212121"/>
                 </a:solidFill>
                 <a:effectLst/>
-                <a:latin typeface="Lato" panose="020F0502020204030203" pitchFamily="34" charset="0"/>
               </a:rPr>
               <a:t>These difference in “pre-trends” make it hard to disentangle correlation and causation.</a:t>
             </a:r>
@@ -9870,14 +10004,24 @@
             <a:r>
               <a:rPr lang="en-US" sz="1800" b="0" i="0" dirty="0">
                 <a:solidFill>
-                  <a:srgbClr val="212121"/>
+                  <a:schemeClr val="tx1">
+                    <a:lumMod val="50000"/>
+                    <a:lumOff val="50000"/>
+                  </a:schemeClr>
                 </a:solidFill>
                 <a:effectLst/>
                 <a:latin typeface="Lato" panose="020F0502020204030203" pitchFamily="34" charset="0"/>
               </a:rPr>
               <a:t>From Winnie van Dijk’s slides for Harvard course ECON 2245</a:t>
             </a:r>
-            <a:endParaRPr lang="en-US" dirty="0"/>
+            <a:endParaRPr lang="en-US" dirty="0">
+              <a:solidFill>
+                <a:schemeClr val="tx1">
+                  <a:lumMod val="50000"/>
+                  <a:lumOff val="50000"/>
+                </a:schemeClr>
+              </a:solidFill>
+            </a:endParaRPr>
           </a:p>
         </p:txBody>
       </p:sp>
@@ -11150,7 +11294,6 @@
                 <a:solidFill>
                   <a:srgbClr val="212121"/>
                 </a:solidFill>
-                <a:latin typeface="Lato" panose="020F0502020204030203" pitchFamily="34" charset="0"/>
               </a:rPr>
               <a:t>When faced with a case, some judges are more or less lenient (or, equivalently strict) at ordering evictions</a:t>
             </a:r>
@@ -11160,7 +11303,6 @@
               <a:solidFill>
                 <a:srgbClr val="212121"/>
               </a:solidFill>
-              <a:latin typeface="Lato" panose="020F0502020204030203" pitchFamily="34" charset="0"/>
             </a:endParaRPr>
           </a:p>
           <a:p>
@@ -11169,7 +11311,6 @@
                 <a:solidFill>
                   <a:srgbClr val="212121"/>
                 </a:solidFill>
-                <a:latin typeface="Lato" panose="020F0502020204030203" pitchFamily="34" charset="0"/>
               </a:rPr>
               <a:t>Cases are randomly assigned to judges</a:t>
             </a:r>
@@ -11179,7 +11320,6 @@
               <a:solidFill>
                 <a:srgbClr val="212121"/>
               </a:solidFill>
-              <a:latin typeface="Lato" panose="020F0502020204030203" pitchFamily="34" charset="0"/>
             </a:endParaRPr>
           </a:p>
           <a:p>
@@ -11188,9 +11328,16 @@
                 <a:solidFill>
                   <a:srgbClr val="212121"/>
                 </a:solidFill>
-                <a:latin typeface="Lato" panose="020F0502020204030203" pitchFamily="34" charset="0"/>
               </a:rPr>
-              <a:t>So effectively, some cases will receive an eviction order due to random chance</a:t>
+              <a:t>So effectively, some cases will receive an eviction order due to </a:t>
+            </a:r>
+            <a:r>
+              <a:rPr lang="en-US" i="1" dirty="0">
+                <a:solidFill>
+                  <a:srgbClr val="212121"/>
+                </a:solidFill>
+              </a:rPr>
+              <a:t>random chance</a:t>
             </a:r>
           </a:p>
           <a:p>
@@ -11199,7 +11346,6 @@
                 <a:srgbClr val="212121"/>
               </a:solidFill>
               <a:effectLst/>
-              <a:latin typeface="Lato" panose="020F0502020204030203" pitchFamily="34" charset="0"/>
             </a:endParaRPr>
           </a:p>
           <a:p>
@@ -11209,7 +11355,6 @@
                   <a:srgbClr val="212121"/>
                 </a:solidFill>
                 <a:effectLst/>
-                <a:latin typeface="Lato" panose="020F0502020204030203" pitchFamily="34" charset="0"/>
               </a:rPr>
               <a:t>This randomness allows economists to study the </a:t>
             </a:r>
@@ -11219,7 +11364,6 @@
                   <a:srgbClr val="212121"/>
                 </a:solidFill>
                 <a:effectLst/>
-                <a:latin typeface="Lato" panose="020F0502020204030203" pitchFamily="34" charset="0"/>
               </a:rPr>
               <a:t>causal effects </a:t>
             </a:r>
@@ -11229,7 +11373,6 @@
                   <a:srgbClr val="212121"/>
                 </a:solidFill>
                 <a:effectLst/>
-                <a:latin typeface="Lato" panose="020F0502020204030203" pitchFamily="34" charset="0"/>
               </a:rPr>
               <a:t>of eviction orders. </a:t>
             </a:r>
@@ -11312,7 +11455,9 @@
         </p:nvSpPr>
         <p:spPr/>
         <p:txBody>
-          <a:bodyPr/>
+          <a:bodyPr>
+            <a:normAutofit fontScale="92500" lnSpcReduction="10000"/>
+          </a:bodyPr>
           <a:lstStyle/>
           <a:p>
             <a:r>
@@ -11321,7 +11466,6 @@
                   <a:srgbClr val="212121"/>
                 </a:solidFill>
                 <a:effectLst/>
-                <a:latin typeface="Lato" panose="020F0502020204030203" pitchFamily="34" charset="0"/>
               </a:rPr>
               <a:t>increases housing instability---as measured by:</a:t>
             </a:r>
@@ -11334,7 +11478,6 @@
                   <a:srgbClr val="212121"/>
                 </a:solidFill>
                 <a:effectLst/>
-                <a:latin typeface="Lato" panose="020F0502020204030203" pitchFamily="34" charset="0"/>
               </a:rPr>
               <a:t>residential mobility</a:t>
             </a:r>
@@ -11347,7 +11490,6 @@
                   <a:srgbClr val="212121"/>
                 </a:solidFill>
                 <a:effectLst/>
-                <a:latin typeface="Lato" panose="020F0502020204030203" pitchFamily="34" charset="0"/>
               </a:rPr>
               <a:t>homeless shelter use</a:t>
             </a:r>
@@ -11360,19 +11502,25 @@
                   <a:srgbClr val="212121"/>
                 </a:solidFill>
                 <a:effectLst/>
-                <a:latin typeface="Lato" panose="020F0502020204030203" pitchFamily="34" charset="0"/>
               </a:rPr>
               <a:t>interactions with homeless services</a:t>
             </a:r>
           </a:p>
           <a:p>
+            <a:endParaRPr lang="en-US" b="0" i="0" dirty="0">
+              <a:solidFill>
+                <a:srgbClr val="212121"/>
+              </a:solidFill>
+              <a:effectLst/>
+            </a:endParaRPr>
+          </a:p>
+          <a:p>
             <a:r>
               <a:rPr lang="en-US" b="0" i="0" dirty="0">
                 <a:solidFill>
                   <a:srgbClr val="212121"/>
                 </a:solidFill>
                 <a:effectLst/>
-                <a:latin typeface="Lato" panose="020F0502020204030203" pitchFamily="34" charset="0"/>
               </a:rPr>
               <a:t>reduces </a:t>
             </a:r>
@@ -11385,7 +11533,6 @@
                   <a:srgbClr val="212121"/>
                 </a:solidFill>
                 <a:effectLst/>
-                <a:latin typeface="Lato" panose="020F0502020204030203" pitchFamily="34" charset="0"/>
               </a:rPr>
               <a:t>earnings</a:t>
             </a:r>
@@ -11398,7 +11545,6 @@
                   <a:srgbClr val="212121"/>
                 </a:solidFill>
                 <a:effectLst/>
-                <a:latin typeface="Lato" panose="020F0502020204030203" pitchFamily="34" charset="0"/>
               </a:rPr>
               <a:t>credit access</a:t>
             </a:r>
@@ -11411,18 +11557,23 @@
                   <a:srgbClr val="212121"/>
                 </a:solidFill>
                 <a:effectLst/>
-                <a:latin typeface="Lato" panose="020F0502020204030203" pitchFamily="34" charset="0"/>
               </a:rPr>
               <a:t>durable goods consumption</a:t>
             </a:r>
           </a:p>
           <a:p>
+            <a:endParaRPr lang="en-US" dirty="0">
+              <a:solidFill>
+                <a:srgbClr val="212121"/>
+              </a:solidFill>
+            </a:endParaRPr>
+          </a:p>
+          <a:p>
             <a:r>
               <a:rPr lang="en-US" dirty="0">
                 <a:solidFill>
                   <a:srgbClr val="212121"/>
                 </a:solidFill>
-                <a:latin typeface="Lato" panose="020F0502020204030203" pitchFamily="34" charset="0"/>
               </a:rPr>
               <a:t>Equity concerns: </a:t>
             </a:r>
@@ -11432,7 +11583,6 @@
                   <a:srgbClr val="212121"/>
                 </a:solidFill>
                 <a:effectLst/>
-                <a:latin typeface="Lato" panose="020F0502020204030203" pitchFamily="34" charset="0"/>
               </a:rPr>
               <a:t>driven by impacts for female and Black tenants</a:t>
             </a:r>
@@ -11591,34 +11741,62 @@
             </a:endParaRPr>
           </a:p>
           <a:p>
+            <a:pPr marL="0" indent="0">
+              <a:buNone/>
+            </a:pPr>
             <a:r>
               <a:rPr lang="en-US" sz="2800" b="0" i="0" dirty="0">
                 <a:solidFill>
-                  <a:srgbClr val="212121"/>
+                  <a:schemeClr val="tx1">
+                    <a:lumMod val="50000"/>
+                    <a:lumOff val="50000"/>
+                  </a:schemeClr>
                 </a:solidFill>
                 <a:effectLst/>
-                <a:latin typeface="Lato" panose="020F0502020204030203" pitchFamily="34" charset="0"/>
               </a:rPr>
               <a:t>Source:</a:t>
             </a:r>
             <a:r>
-              <a:rPr lang="en-US" dirty="0"/>
+              <a:rPr lang="en-US" dirty="0">
+                <a:solidFill>
+                  <a:schemeClr val="tx1">
+                    <a:lumMod val="50000"/>
+                    <a:lumOff val="50000"/>
+                  </a:schemeClr>
+                </a:solidFill>
+              </a:rPr>
               <a:t> Humphries, </a:t>
             </a:r>
             <a:r>
-              <a:rPr lang="en-US" dirty="0" err="1"/>
+              <a:rPr lang="en-US" dirty="0" err="1">
+                <a:solidFill>
+                  <a:schemeClr val="tx1">
+                    <a:lumMod val="50000"/>
+                    <a:lumOff val="50000"/>
+                  </a:schemeClr>
+                </a:solidFill>
+              </a:rPr>
               <a:t>Mader</a:t>
             </a:r>
             <a:r>
-              <a:rPr lang="en-US" dirty="0"/>
+              <a:rPr lang="en-US" dirty="0">
+                <a:solidFill>
+                  <a:schemeClr val="tx1">
+                    <a:lumMod val="50000"/>
+                    <a:lumOff val="50000"/>
+                  </a:schemeClr>
+                </a:solidFill>
+              </a:rPr>
               <a:t>, Tannenbaum, and van Dijk (2019) </a:t>
             </a:r>
             <a:endParaRPr lang="en-US" sz="2800" b="0" i="0" dirty="0">
               <a:solidFill>
-                <a:srgbClr val="212121"/>
+                <a:schemeClr val="tx1">
+                  <a:lumMod val="50000"/>
+                  <a:lumOff val="50000"/>
+                </a:schemeClr>
               </a:solidFill>
               <a:effectLst/>
-              <a:latin typeface="Lato" panose="020F0502020204030203" pitchFamily="34" charset="0"/>
             </a:endParaRPr>
           </a:p>
         </p:txBody>
@@ -11975,7 +12153,7 @@
         <p:spPr>
           <a:xfrm>
             <a:off x="5358809" y="6071191"/>
-            <a:ext cx="6648134" cy="646331"/>
+            <a:ext cx="6648134" cy="338554"/>
           </a:xfrm>
           <a:prstGeom prst="rect">
             <a:avLst/>
@@ -11989,7 +12167,14 @@
           <a:lstStyle/>
           <a:p>
             <a:r>
-              <a:rPr lang="en-US" dirty="0"/>
+              <a:rPr lang="en-US" sz="1600" dirty="0">
+                <a:solidFill>
+                  <a:schemeClr val="tx1">
+                    <a:lumMod val="50000"/>
+                    <a:lumOff val="50000"/>
+                  </a:schemeClr>
+                </a:solidFill>
+              </a:rPr>
               <a:t>From Winnie van Dijk course slides: relevant data sources for eviction paper </a:t>
             </a:r>
           </a:p>
@@ -12087,7 +12272,6 @@
                   <a:srgbClr val="222222"/>
                 </a:solidFill>
                 <a:effectLst/>
-                <a:latin typeface="Arial" panose="020B0604020202020204" pitchFamily="34" charset="0"/>
               </a:rPr>
               <a:t>Deshpande, M. (2016). Does welfare inhibit success? The long-term effects of removing low-income youth from the disability rolls. </a:t>
             </a:r>
@@ -12097,7 +12281,6 @@
                   <a:srgbClr val="222222"/>
                 </a:solidFill>
                 <a:effectLst/>
-                <a:latin typeface="Arial" panose="020B0604020202020204" pitchFamily="34" charset="0"/>
               </a:rPr>
               <a:t>American Economic Review</a:t>
             </a:r>
@@ -12107,7 +12290,6 @@
                   <a:srgbClr val="222222"/>
                 </a:solidFill>
                 <a:effectLst/>
-                <a:latin typeface="Arial" panose="020B0604020202020204" pitchFamily="34" charset="0"/>
               </a:rPr>
               <a:t>, </a:t>
             </a:r>
@@ -12117,7 +12299,6 @@
                   <a:srgbClr val="222222"/>
                 </a:solidFill>
                 <a:effectLst/>
-                <a:latin typeface="Arial" panose="020B0604020202020204" pitchFamily="34" charset="0"/>
               </a:rPr>
               <a:t>106</a:t>
             </a:r>
@@ -12127,7 +12308,6 @@
                   <a:srgbClr val="222222"/>
                 </a:solidFill>
                 <a:effectLst/>
-                <a:latin typeface="Arial" panose="020B0604020202020204" pitchFamily="34" charset="0"/>
               </a:rPr>
               <a:t>(11), 3300-3330.</a:t>
             </a:r>
@@ -12139,7 +12319,6 @@
                   <a:srgbClr val="222222"/>
                 </a:solidFill>
                 <a:effectLst/>
-                <a:latin typeface="Arial" panose="020B0604020202020204" pitchFamily="34" charset="0"/>
               </a:rPr>
               <a:t>Deshpande, M. (2016). The effect of disability payments on household earnings and income: Evidence from the SSI children's program. </a:t>
             </a:r>
@@ -12149,7 +12328,6 @@
                   <a:srgbClr val="222222"/>
                 </a:solidFill>
                 <a:effectLst/>
-                <a:latin typeface="Arial" panose="020B0604020202020204" pitchFamily="34" charset="0"/>
               </a:rPr>
               <a:t>Review of Economics and Statistics</a:t>
             </a:r>
@@ -12159,7 +12337,6 @@
                   <a:srgbClr val="222222"/>
                 </a:solidFill>
                 <a:effectLst/>
-                <a:latin typeface="Arial" panose="020B0604020202020204" pitchFamily="34" charset="0"/>
               </a:rPr>
               <a:t>, </a:t>
             </a:r>
@@ -12169,7 +12346,6 @@
                   <a:srgbClr val="222222"/>
                 </a:solidFill>
                 <a:effectLst/>
-                <a:latin typeface="Arial" panose="020B0604020202020204" pitchFamily="34" charset="0"/>
               </a:rPr>
               <a:t>98</a:t>
             </a:r>
@@ -12179,7 +12355,6 @@
                   <a:srgbClr val="222222"/>
                 </a:solidFill>
                 <a:effectLst/>
-                <a:latin typeface="Arial" panose="020B0604020202020204" pitchFamily="34" charset="0"/>
               </a:rPr>
               <a:t>(4), 638-654.</a:t>
             </a:r>
@@ -12187,7 +12362,6 @@
               <a:solidFill>
                 <a:srgbClr val="222222"/>
               </a:solidFill>
-              <a:latin typeface="Arial" panose="020B0604020202020204" pitchFamily="34" charset="0"/>
             </a:endParaRPr>
           </a:p>
           <a:p>
@@ -12197,7 +12371,6 @@
                   <a:srgbClr val="222222"/>
                 </a:solidFill>
                 <a:effectLst/>
-                <a:latin typeface="Arial" panose="020B0604020202020204" pitchFamily="34" charset="0"/>
               </a:rPr>
               <a:t>Deshpande, M., &amp; Mueller-Smith, M. G. (2022). </a:t>
             </a:r>
@@ -12207,7 +12380,6 @@
                   <a:srgbClr val="222222"/>
                 </a:solidFill>
                 <a:effectLst/>
-                <a:latin typeface="Arial" panose="020B0604020202020204" pitchFamily="34" charset="0"/>
               </a:rPr>
               <a:t>Does Welfare Prevent Crime? The Criminal Justice Outcomes of Youth Removed from SSI</a:t>
             </a:r>
@@ -12217,7 +12389,6 @@
                   <a:srgbClr val="222222"/>
                 </a:solidFill>
                 <a:effectLst/>
-                <a:latin typeface="Arial" panose="020B0604020202020204" pitchFamily="34" charset="0"/>
               </a:rPr>
               <a:t> (No. w29800). National Bureau of Economic Research.</a:t>
             </a:r>
@@ -12229,7 +12400,6 @@
                   <a:srgbClr val="212121"/>
                 </a:solidFill>
                 <a:effectLst/>
-                <a:latin typeface="Lato" panose="020F0502020204030203" pitchFamily="34" charset="0"/>
               </a:rPr>
               <a:t>Eviction and poverty in American cities: evidence from Chicago and New York. 2022. </a:t>
             </a:r>
@@ -12239,7 +12409,6 @@
                   <a:srgbClr val="212121"/>
                 </a:solidFill>
                 <a:effectLst/>
-                <a:latin typeface="Lato" panose="020F0502020204030203" pitchFamily="34" charset="0"/>
               </a:rPr>
               <a:t> (Winnie van Dijk with Rob Collinson, John Eric Humphries, Nick </a:t>
             </a:r>
@@ -12249,7 +12418,6 @@
                   <a:srgbClr val="212121"/>
                 </a:solidFill>
                 <a:effectLst/>
-                <a:latin typeface="Lato" panose="020F0502020204030203" pitchFamily="34" charset="0"/>
               </a:rPr>
               <a:t>Mader</a:t>
             </a:r>
@@ -12259,7 +12427,6 @@
                   <a:srgbClr val="212121"/>
                 </a:solidFill>
                 <a:effectLst/>
-                <a:latin typeface="Lato" panose="020F0502020204030203" pitchFamily="34" charset="0"/>
               </a:rPr>
               <a:t>, Davin Reed, and Daniel Tannenbaum)</a:t>
             </a:r>
@@ -12271,7 +12438,6 @@
                   <a:srgbClr val="212121"/>
                 </a:solidFill>
                 <a:effectLst/>
-                <a:latin typeface="Lato" panose="020F0502020204030203" pitchFamily="34" charset="0"/>
               </a:rPr>
               <a:t>Previous draft: Does Eviction Caus</a:t>
             </a:r>
@@ -12280,7 +12446,6 @@
                 <a:solidFill>
                   <a:srgbClr val="212121"/>
                 </a:solidFill>
-                <a:latin typeface="Lato" panose="020F0502020204030203" pitchFamily="34" charset="0"/>
               </a:rPr>
               <a:t>e Poverty? Quasi-Experimental evidence from Cook County, IL. 2019. </a:t>
             </a:r>
@@ -12290,7 +12455,6 @@
                   <a:srgbClr val="212121"/>
                 </a:solidFill>
                 <a:effectLst/>
-                <a:latin typeface="Lato" panose="020F0502020204030203" pitchFamily="34" charset="0"/>
               </a:rPr>
               <a:t>(John Eric Humphries, Nicholas </a:t>
             </a:r>
@@ -12300,7 +12464,6 @@
                   <a:srgbClr val="212121"/>
                 </a:solidFill>
                 <a:effectLst/>
-                <a:latin typeface="Lato" panose="020F0502020204030203" pitchFamily="34" charset="0"/>
               </a:rPr>
               <a:t>Mader</a:t>
             </a:r>
@@ -12310,7 +12473,6 @@
                   <a:srgbClr val="212121"/>
                 </a:solidFill>
                 <a:effectLst/>
-                <a:latin typeface="Lato" panose="020F0502020204030203" pitchFamily="34" charset="0"/>
               </a:rPr>
               <a:t>, Daniel Tannenbaum &amp; Winnie van Dijk)</a:t>
             </a:r>
@@ -13322,6 +13484,18 @@
             <a:pPr marL="400050" lvl="1" indent="0">
               <a:buNone/>
             </a:pPr>
+            <a:endParaRPr lang="en-US" dirty="0"/>
+          </a:p>
+          <a:p>
+            <a:pPr marL="400050" lvl="1" indent="0">
+              <a:buNone/>
+            </a:pPr>
+            <a:endParaRPr lang="en-US" dirty="0"/>
+          </a:p>
+          <a:p>
+            <a:pPr marL="400050" lvl="1" indent="0">
+              <a:buNone/>
+            </a:pPr>
             <a:r>
               <a:rPr lang="en-US" dirty="0"/>
               <a:t>To see, let’s calculate both NPV and CBR for each project and evaluate.</a:t>
